--- a/BU_MolBio_RNAseq_in_GP_workshop/slides/2019-04-04_06_GPWorkshop_Other_Features.pptx
+++ b/BU_MolBio_RNAseq_in_GP_workshop/slides/2019-04-04_06_GPWorkshop_Other_Features.pptx
@@ -5,7 +5,7 @@
     <p:sldMasterId id="2147483648" r:id="rId4"/>
   </p:sldMasterIdLst>
   <p:notesMasterIdLst>
-    <p:notesMasterId r:id="rId22"/>
+    <p:notesMasterId r:id="rId21"/>
   </p:notesMasterIdLst>
   <p:sldIdLst>
     <p:sldId id="276" r:id="rId5"/>
@@ -24,7 +24,6 @@
     <p:sldId id="275" r:id="rId18"/>
     <p:sldId id="274" r:id="rId19"/>
     <p:sldId id="257" r:id="rId20"/>
-    <p:sldId id="270" r:id="rId21"/>
   </p:sldIdLst>
   <p:sldSz cx="9144000" cy="6858000" type="screen4x3"/>
   <p:notesSz cx="6858000" cy="9144000"/>
@@ -225,7 +224,7 @@
             <a:fld id="{40C7E56A-0D11-A142-9791-190B4AF279FD}" type="datetimeFigureOut">
               <a:rPr lang="en-US" smtClean="0"/>
               <a:pPr/>
-              <a:t>4/26/2018</a:t>
+              <a:t>4/1/2019</a:t>
             </a:fld>
             <a:endParaRPr lang="en-US"/>
           </a:p>
@@ -1955,8 +1954,9 @@
           <a:p>
             <a:r>
               <a:rPr lang="en-US" altLang="en-US" dirty="0" smtClean="0"/>
-              <a:t>To keep this all moving along we’re not doing this now.</a:t>
-            </a:r>
+              <a:t>I’ll run an example, just so you can see what it would look like</a:t>
+            </a:r>
+            <a:endParaRPr lang="en-US" altLang="en-US" dirty="0" smtClean="0"/>
           </a:p>
           <a:p>
             <a:endParaRPr lang="en-US" altLang="en-US" dirty="0" smtClean="0"/>
@@ -2363,85 +2363,6 @@
 </p:notes>
 </file>
 
-<file path=ppt/notesSlides/notesSlide17.xml><?xml version="1.0" encoding="utf-8"?>
-<p:notes xmlns:a="http://schemas.openxmlformats.org/drawingml/2006/main" xmlns:r="http://schemas.openxmlformats.org/officeDocument/2006/relationships" xmlns:p="http://schemas.openxmlformats.org/presentationml/2006/main">
-  <p:cSld>
-    <p:spTree>
-      <p:nvGrpSpPr>
-        <p:cNvPr id="1" name=""/>
-        <p:cNvGrpSpPr/>
-        <p:nvPr/>
-      </p:nvGrpSpPr>
-      <p:grpSpPr>
-        <a:xfrm>
-          <a:off x="0" y="0"/>
-          <a:ext cx="0" cy="0"/>
-          <a:chOff x="0" y="0"/>
-          <a:chExt cx="0" cy="0"/>
-        </a:xfrm>
-      </p:grpSpPr>
-      <p:sp>
-        <p:nvSpPr>
-          <p:cNvPr id="73730" name="Rectangle 2"/>
-          <p:cNvSpPr>
-            <a:spLocks noGrp="1" noRot="1" noChangeAspect="1" noTextEdit="1"/>
-          </p:cNvSpPr>
-          <p:nvPr>
-            <p:ph type="sldImg"/>
-          </p:nvPr>
-        </p:nvSpPr>
-        <p:spPr bwMode="auto">
-          <a:noFill/>
-          <a:ln>
-            <a:solidFill>
-              <a:srgbClr val="000000"/>
-            </a:solidFill>
-            <a:miter lim="800000"/>
-            <a:headEnd/>
-            <a:tailEnd/>
-          </a:ln>
-        </p:spPr>
-      </p:sp>
-      <p:sp>
-        <p:nvSpPr>
-          <p:cNvPr id="73731" name="Rectangle 3"/>
-          <p:cNvSpPr>
-            <a:spLocks noGrp="1"/>
-          </p:cNvSpPr>
-          <p:nvPr>
-            <p:ph type="body" idx="1"/>
-          </p:nvPr>
-        </p:nvSpPr>
-        <p:spPr bwMode="auto">
-          <a:noFill/>
-        </p:spPr>
-        <p:txBody>
-          <a:bodyPr wrap="square" numCol="1" anchor="t" anchorCtr="0" compatLnSpc="1">
-            <a:prstTxWarp prst="textNoShape">
-              <a:avLst/>
-            </a:prstTxWarp>
-          </a:bodyPr>
-          <a:lstStyle/>
-          <a:p>
-            <a:pPr>
-              <a:buFontTx/>
-              <a:buChar char="•"/>
-            </a:pPr>
-            <a:r>
-              <a:rPr lang="en-US" smtClean="0"/>
-              <a:t>Complete end-to-end SNP analysis pipeline, from preprocessing through segmentation to the identification of significantly aberrated chromosomal regions</a:t>
-            </a:r>
-          </a:p>
-        </p:txBody>
-      </p:sp>
-    </p:spTree>
-  </p:cSld>
-  <p:clrMapOvr>
-    <a:masterClrMapping/>
-  </p:clrMapOvr>
-</p:notes>
-</file>
-
 <file path=ppt/notesSlides/notesSlide2.xml><?xml version="1.0" encoding="utf-8"?>
 <p:notes xmlns:a="http://schemas.openxmlformats.org/drawingml/2006/main" xmlns:r="http://schemas.openxmlformats.org/officeDocument/2006/relationships" xmlns:p="http://schemas.openxmlformats.org/presentationml/2006/main">
   <p:cSld>
@@ -4465,7 +4386,7 @@
             <a:fld id="{2475AD41-A2D5-294C-B0C8-738128269C8A}" type="datetimeFigureOut">
               <a:rPr lang="en-US" smtClean="0"/>
               <a:pPr/>
-              <a:t>4/26/2018</a:t>
+              <a:t>4/1/2019</a:t>
             </a:fld>
             <a:endParaRPr lang="en-US"/>
           </a:p>
@@ -4632,7 +4553,7 @@
             <a:fld id="{2475AD41-A2D5-294C-B0C8-738128269C8A}" type="datetimeFigureOut">
               <a:rPr lang="en-US" smtClean="0"/>
               <a:pPr/>
-              <a:t>4/26/2018</a:t>
+              <a:t>4/1/2019</a:t>
             </a:fld>
             <a:endParaRPr lang="en-US"/>
           </a:p>
@@ -4809,7 +4730,7 @@
             <a:fld id="{2475AD41-A2D5-294C-B0C8-738128269C8A}" type="datetimeFigureOut">
               <a:rPr lang="en-US" smtClean="0"/>
               <a:pPr/>
-              <a:t>4/26/2018</a:t>
+              <a:t>4/1/2019</a:t>
             </a:fld>
             <a:endParaRPr lang="en-US"/>
           </a:p>
@@ -5939,7 +5860,7 @@
             <a:fld id="{2475AD41-A2D5-294C-B0C8-738128269C8A}" type="datetimeFigureOut">
               <a:rPr lang="en-US" smtClean="0"/>
               <a:pPr/>
-              <a:t>4/26/2018</a:t>
+              <a:t>4/1/2019</a:t>
             </a:fld>
             <a:endParaRPr lang="en-US"/>
           </a:p>
@@ -6182,7 +6103,7 @@
             <a:fld id="{2475AD41-A2D5-294C-B0C8-738128269C8A}" type="datetimeFigureOut">
               <a:rPr lang="en-US" smtClean="0"/>
               <a:pPr/>
-              <a:t>4/26/2018</a:t>
+              <a:t>4/1/2019</a:t>
             </a:fld>
             <a:endParaRPr lang="en-US"/>
           </a:p>
@@ -6467,7 +6388,7 @@
             <a:fld id="{2475AD41-A2D5-294C-B0C8-738128269C8A}" type="datetimeFigureOut">
               <a:rPr lang="en-US" smtClean="0"/>
               <a:pPr/>
-              <a:t>4/26/2018</a:t>
+              <a:t>4/1/2019</a:t>
             </a:fld>
             <a:endParaRPr lang="en-US"/>
           </a:p>
@@ -6886,7 +6807,7 @@
             <a:fld id="{2475AD41-A2D5-294C-B0C8-738128269C8A}" type="datetimeFigureOut">
               <a:rPr lang="en-US" smtClean="0"/>
               <a:pPr/>
-              <a:t>4/26/2018</a:t>
+              <a:t>4/1/2019</a:t>
             </a:fld>
             <a:endParaRPr lang="en-US"/>
           </a:p>
@@ -7001,7 +6922,7 @@
             <a:fld id="{2475AD41-A2D5-294C-B0C8-738128269C8A}" type="datetimeFigureOut">
               <a:rPr lang="en-US" smtClean="0"/>
               <a:pPr/>
-              <a:t>4/26/2018</a:t>
+              <a:t>4/1/2019</a:t>
             </a:fld>
             <a:endParaRPr lang="en-US"/>
           </a:p>
@@ -7093,7 +7014,7 @@
             <a:fld id="{2475AD41-A2D5-294C-B0C8-738128269C8A}" type="datetimeFigureOut">
               <a:rPr lang="en-US" smtClean="0"/>
               <a:pPr/>
-              <a:t>4/26/2018</a:t>
+              <a:t>4/1/2019</a:t>
             </a:fld>
             <a:endParaRPr lang="en-US"/>
           </a:p>
@@ -7367,7 +7288,7 @@
             <a:fld id="{2475AD41-A2D5-294C-B0C8-738128269C8A}" type="datetimeFigureOut">
               <a:rPr lang="en-US" smtClean="0"/>
               <a:pPr/>
-              <a:t>4/26/2018</a:t>
+              <a:t>4/1/2019</a:t>
             </a:fld>
             <a:endParaRPr lang="en-US"/>
           </a:p>
@@ -7617,7 +7538,7 @@
             <a:fld id="{2475AD41-A2D5-294C-B0C8-738128269C8A}" type="datetimeFigureOut">
               <a:rPr lang="en-US" smtClean="0"/>
               <a:pPr/>
-              <a:t>4/26/2018</a:t>
+              <a:t>4/1/2019</a:t>
             </a:fld>
             <a:endParaRPr lang="en-US"/>
           </a:p>
@@ -7827,7 +7748,7 @@
             <a:fld id="{2475AD41-A2D5-294C-B0C8-738128269C8A}" type="datetimeFigureOut">
               <a:rPr lang="en-US" smtClean="0"/>
               <a:pPr/>
-              <a:t>4/26/2018</a:t>
+              <a:t>4/1/2019</a:t>
             </a:fld>
             <a:endParaRPr lang="en-US"/>
           </a:p>
@@ -11022,240 +10943,6 @@
 </p:sld>
 </file>
 
-<file path=ppt/slides/slide17.xml><?xml version="1.0" encoding="utf-8"?>
-<p:sld xmlns:a="http://schemas.openxmlformats.org/drawingml/2006/main" xmlns:r="http://schemas.openxmlformats.org/officeDocument/2006/relationships" xmlns:p="http://schemas.openxmlformats.org/presentationml/2006/main">
-  <p:cSld>
-    <p:spTree>
-      <p:nvGrpSpPr>
-        <p:cNvPr id="1" name=""/>
-        <p:cNvGrpSpPr/>
-        <p:nvPr/>
-      </p:nvGrpSpPr>
-      <p:grpSpPr>
-        <a:xfrm>
-          <a:off x="0" y="0"/>
-          <a:ext cx="0" cy="0"/>
-          <a:chOff x="0" y="0"/>
-          <a:chExt cx="0" cy="0"/>
-        </a:xfrm>
-      </p:grpSpPr>
-      <p:sp>
-        <p:nvSpPr>
-          <p:cNvPr id="11266" name="Title 1"/>
-          <p:cNvSpPr>
-            <a:spLocks noGrp="1"/>
-          </p:cNvSpPr>
-          <p:nvPr>
-            <p:ph type="title" idx="4294967295"/>
-          </p:nvPr>
-        </p:nvSpPr>
-        <p:spPr>
-          <a:xfrm>
-            <a:off x="0" y="274638"/>
-            <a:ext cx="8229600" cy="1143000"/>
-          </a:xfrm>
-        </p:spPr>
-        <p:txBody>
-          <a:bodyPr/>
-          <a:lstStyle/>
-          <a:p>
-            <a:pPr eaLnBrk="1" hangingPunct="1"/>
-            <a:r>
-              <a:rPr lang="en-US" smtClean="0">
-                <a:solidFill>
-                  <a:srgbClr val="0D0D0D"/>
-                </a:solidFill>
-              </a:rPr>
-              <a:t>SNP/Copy Number Analysis</a:t>
-            </a:r>
-          </a:p>
-        </p:txBody>
-      </p:sp>
-      <p:sp>
-        <p:nvSpPr>
-          <p:cNvPr id="11267" name="Content Placeholder 2"/>
-          <p:cNvSpPr>
-            <a:spLocks noGrp="1"/>
-          </p:cNvSpPr>
-          <p:nvPr>
-            <p:ph idx="4294967295"/>
-          </p:nvPr>
-        </p:nvSpPr>
-        <p:spPr>
-          <a:xfrm>
-            <a:off x="1371600" y="1387475"/>
-            <a:ext cx="7772400" cy="5168900"/>
-          </a:xfrm>
-        </p:spPr>
-        <p:txBody>
-          <a:bodyPr/>
-          <a:lstStyle/>
-          <a:p>
-            <a:pPr eaLnBrk="1" hangingPunct="1">
-              <a:lnSpc>
-                <a:spcPct val="90000"/>
-              </a:lnSpc>
-              <a:spcAft>
-                <a:spcPts val="1200"/>
-              </a:spcAft>
-            </a:pPr>
-            <a:r>
-              <a:rPr lang="en-US" sz="2400" dirty="0" smtClean="0">
-                <a:solidFill>
-                  <a:srgbClr val="0D0D0D"/>
-                </a:solidFill>
-              </a:rPr>
-              <a:t>Support for SNP chip formats</a:t>
-            </a:r>
-          </a:p>
-          <a:p>
-            <a:pPr lvl="1" eaLnBrk="1" hangingPunct="1">
-              <a:lnSpc>
-                <a:spcPct val="90000"/>
-              </a:lnSpc>
-              <a:spcAft>
-                <a:spcPts val="1200"/>
-              </a:spcAft>
-            </a:pPr>
-            <a:r>
-              <a:rPr lang="en-US" sz="2000" dirty="0" err="1" smtClean="0">
-                <a:solidFill>
-                  <a:srgbClr val="0D0D0D"/>
-                </a:solidFill>
-              </a:rPr>
-              <a:t>Affymetrix</a:t>
-            </a:r>
-            <a:r>
-              <a:rPr lang="en-US" sz="2000" dirty="0" smtClean="0">
-                <a:solidFill>
-                  <a:srgbClr val="0D0D0D"/>
-                </a:solidFill>
-              </a:rPr>
-              <a:t> 10k, 50k, 500k, SNP6.0 chip sets</a:t>
-            </a:r>
-          </a:p>
-          <a:p>
-            <a:pPr eaLnBrk="1" hangingPunct="1">
-              <a:lnSpc>
-                <a:spcPct val="90000"/>
-              </a:lnSpc>
-              <a:spcAft>
-                <a:spcPts val="1200"/>
-              </a:spcAft>
-            </a:pPr>
-            <a:r>
-              <a:rPr lang="en-US" sz="2400" dirty="0" smtClean="0">
-                <a:solidFill>
-                  <a:srgbClr val="0D0D0D"/>
-                </a:solidFill>
-              </a:rPr>
-              <a:t>GISTIC: Identification of broad and focal chromosomal insertions/deletions (RAE)</a:t>
-            </a:r>
-            <a:endParaRPr lang="en-US" sz="1000" dirty="0" smtClean="0">
-              <a:solidFill>
-                <a:srgbClr val="0D0D0D"/>
-              </a:solidFill>
-            </a:endParaRPr>
-          </a:p>
-          <a:p>
-            <a:pPr eaLnBrk="1" hangingPunct="1">
-              <a:lnSpc>
-                <a:spcPct val="90000"/>
-              </a:lnSpc>
-              <a:spcAft>
-                <a:spcPts val="1200"/>
-              </a:spcAft>
-            </a:pPr>
-            <a:r>
-              <a:rPr lang="en-US" sz="2400" dirty="0" smtClean="0">
-                <a:solidFill>
-                  <a:srgbClr val="0D0D0D"/>
-                </a:solidFill>
-              </a:rPr>
-              <a:t>Segmentation (GLAD, CBS)</a:t>
-            </a:r>
-          </a:p>
-          <a:p>
-            <a:pPr eaLnBrk="1" hangingPunct="1">
-              <a:lnSpc>
-                <a:spcPct val="90000"/>
-              </a:lnSpc>
-              <a:spcAft>
-                <a:spcPts val="1200"/>
-              </a:spcAft>
-            </a:pPr>
-            <a:r>
-              <a:rPr lang="en-US" sz="2400" dirty="0" smtClean="0">
-                <a:solidFill>
-                  <a:srgbClr val="0D0D0D"/>
-                </a:solidFill>
-              </a:rPr>
-              <a:t>Copy number estimation</a:t>
-            </a:r>
-          </a:p>
-          <a:p>
-            <a:pPr eaLnBrk="1" hangingPunct="1">
-              <a:lnSpc>
-                <a:spcPct val="90000"/>
-              </a:lnSpc>
-              <a:spcAft>
-                <a:spcPts val="1200"/>
-              </a:spcAft>
-            </a:pPr>
-            <a:r>
-              <a:rPr lang="en-US" sz="2400" dirty="0" smtClean="0">
-                <a:solidFill>
-                  <a:srgbClr val="0D0D0D"/>
-                </a:solidFill>
-              </a:rPr>
-              <a:t>Summarization</a:t>
-            </a:r>
-            <a:endParaRPr lang="en-US" sz="1000" dirty="0" smtClean="0">
-              <a:solidFill>
-                <a:srgbClr val="0D0D0D"/>
-              </a:solidFill>
-            </a:endParaRPr>
-          </a:p>
-          <a:p>
-            <a:pPr eaLnBrk="1" hangingPunct="1">
-              <a:lnSpc>
-                <a:spcPct val="90000"/>
-              </a:lnSpc>
-              <a:spcAft>
-                <a:spcPts val="1200"/>
-              </a:spcAft>
-            </a:pPr>
-            <a:r>
-              <a:rPr lang="en-US" sz="2400" dirty="0" smtClean="0">
-                <a:solidFill>
-                  <a:srgbClr val="0D0D0D"/>
-                </a:solidFill>
-              </a:rPr>
-              <a:t>LOH determination</a:t>
-            </a:r>
-          </a:p>
-        </p:txBody>
-      </p:sp>
-    </p:spTree>
-    <p:extLst>
-      <p:ext uri="{BB962C8B-B14F-4D97-AF65-F5344CB8AC3E}">
-        <p14:creationId xmlns:p14="http://schemas.microsoft.com/office/powerpoint/2010/main" val="2544861975"/>
-      </p:ext>
-    </p:extLst>
-  </p:cSld>
-  <p:clrMapOvr>
-    <a:masterClrMapping/>
-  </p:clrMapOvr>
-  <p:timing>
-    <p:tnLst>
-      <p:par>
-        <p:cTn id="1" dur="indefinite" restart="never" nodeType="tmRoot"/>
-      </p:par>
-    </p:tnLst>
-  </p:timing>
-</p:sld>
-</file>
-
 <file path=ppt/slides/slide2.xml><?xml version="1.0" encoding="utf-8"?>
 <p:sld xmlns:a="http://schemas.openxmlformats.org/drawingml/2006/main" xmlns:r="http://schemas.openxmlformats.org/officeDocument/2006/relationships" xmlns:p="http://schemas.openxmlformats.org/presentationml/2006/main">
   <p:cSld>
@@ -12588,7 +12275,7 @@
               <a:buFontTx/>
               <a:buChar char="•"/>
             </a:pPr>
-            <a:endParaRPr lang="en-US" altLang="en-US" sz="1800"/>
+            <a:endParaRPr lang="en-US" altLang="en-US" sz="1800" dirty="0"/>
           </a:p>
           <a:p>
             <a:pPr>
@@ -12599,8 +12286,16 @@
               <a:buChar char="•"/>
             </a:pPr>
             <a:r>
-              <a:rPr lang="en-US" altLang="en-US" sz="2000"/>
-              <a:t>Job details and result files are, by default, purged from GenePattern servers after 7 days – however this can be configured by the server administrator. Save result files and job information</a:t>
+              <a:rPr lang="en-US" altLang="en-US" sz="2000" dirty="0"/>
+              <a:t>Job details and result files are, by default, purged from </a:t>
+            </a:r>
+            <a:r>
+              <a:rPr lang="en-US" altLang="en-US" sz="2000" dirty="0" smtClean="0"/>
+              <a:t>the cloud GenePattern server after 30 </a:t>
+            </a:r>
+            <a:r>
+              <a:rPr lang="en-US" altLang="en-US" sz="2000" dirty="0"/>
+              <a:t>days – however this can be configured by the server administrator. Save result files and job information</a:t>
             </a:r>
           </a:p>
           <a:p>
@@ -12612,7 +12307,7 @@
               <a:buChar char="•"/>
             </a:pPr>
             <a:r>
-              <a:rPr lang="en-US" altLang="en-US" sz="2000"/>
+              <a:rPr lang="en-US" altLang="en-US" sz="2000" dirty="0"/>
               <a:t>to prevent them from being lost on purge</a:t>
             </a:r>
           </a:p>
@@ -12625,7 +12320,7 @@
               <a:buChar char="•"/>
             </a:pPr>
             <a:r>
-              <a:rPr lang="en-US" altLang="en-US" sz="2000"/>
+              <a:rPr lang="en-US" altLang="en-US" sz="2000" dirty="0"/>
               <a:t>to share them with others</a:t>
             </a:r>
           </a:p>
@@ -15348,6 +15043,15 @@
 </file>
 
 <file path=customXml/item1.xml><?xml version="1.0" encoding="utf-8"?>
+<?mso-contentType ?>
+<FormTemplates xmlns="http://schemas.microsoft.com/sharepoint/v3/contenttype/forms">
+  <Display>DocumentLibraryForm</Display>
+  <Edit>DocumentLibraryForm</Edit>
+  <New>DocumentLibraryForm</New>
+</FormTemplates>
+</file>
+
+<file path=customXml/item2.xml><?xml version="1.0" encoding="utf-8"?>
 <ct:contentTypeSchema xmlns:ct="http://schemas.microsoft.com/office/2006/metadata/contentType" xmlns:ma="http://schemas.microsoft.com/office/2006/metadata/properties/metaAttributes" ct:_="" ma:_="" ma:contentTypeName="Document" ma:contentTypeID="0x01010007816E688BECE74982C432B6643A443D" ma:contentTypeVersion="0" ma:contentTypeDescription="Create a new document." ma:contentTypeScope="" ma:versionID="d4940da1997b40312492e3e907d54e97">
   <xsd:schema xmlns:xsd="http://www.w3.org/2001/XMLSchema" xmlns:p="http://schemas.microsoft.com/office/2006/metadata/properties" targetNamespace="http://schemas.microsoft.com/office/2006/metadata/properties" ma:root="true" ma:fieldsID="d1e97221dd9e314d5021470c32a4f86d">
     <xsd:element name="properties">
@@ -15396,15 +15100,6 @@
 </ct:contentTypeSchema>
 </file>
 
-<file path=customXml/item2.xml><?xml version="1.0" encoding="utf-8"?>
-<?mso-contentType ?>
-<FormTemplates xmlns="http://schemas.microsoft.com/sharepoint/v3/contenttype/forms">
-  <Display>DocumentLibraryForm</Display>
-  <Edit>DocumentLibraryForm</Edit>
-  <New>DocumentLibraryForm</New>
-</FormTemplates>
-</file>
-
 <file path=customXml/item3.xml><?xml version="1.0" encoding="utf-8"?>
 <p:properties xmlns:p="http://schemas.microsoft.com/office/2006/metadata/properties" xmlns:xsi="http://www.w3.org/2001/XMLSchema-instance">
   <documentManagement/>
@@ -15412,6 +15107,14 @@
 </file>
 
 <file path=customXml/itemProps1.xml><?xml version="1.0" encoding="utf-8"?>
+<ds:datastoreItem xmlns:ds="http://schemas.openxmlformats.org/officeDocument/2006/customXml" ds:itemID="{C7E58973-60AC-404E-8171-76EDB777E96E}">
+  <ds:schemaRefs>
+    <ds:schemaRef ds:uri="http://schemas.microsoft.com/sharepoint/v3/contenttype/forms"/>
+  </ds:schemaRefs>
+</ds:datastoreItem>
+</file>
+
+<file path=customXml/itemProps2.xml><?xml version="1.0" encoding="utf-8"?>
 <ds:datastoreItem xmlns:ds="http://schemas.openxmlformats.org/officeDocument/2006/customXml" ds:itemID="{7217BC37-9B51-452E-9D5A-3C44F09B7524}">
   <ds:schemaRefs>
     <ds:schemaRef ds:uri="http://schemas.microsoft.com/office/2006/metadata/contentType"/>
@@ -15422,14 +15125,6 @@
     <ds:schemaRef ds:uri="http://purl.org/dc/elements/1.1/"/>
     <ds:schemaRef ds:uri="http://purl.org/dc/terms/"/>
     <ds:schemaRef ds:uri="http://schemas.microsoft.com/office/internal/2005/internalDocumentation"/>
-  </ds:schemaRefs>
-</ds:datastoreItem>
-</file>
-
-<file path=customXml/itemProps2.xml><?xml version="1.0" encoding="utf-8"?>
-<ds:datastoreItem xmlns:ds="http://schemas.openxmlformats.org/officeDocument/2006/customXml" ds:itemID="{C7E58973-60AC-404E-8171-76EDB777E96E}">
-  <ds:schemaRefs>
-    <ds:schemaRef ds:uri="http://schemas.microsoft.com/sharepoint/v3/contenttype/forms"/>
   </ds:schemaRefs>
 </ds:datastoreItem>
 </file>
